--- a/m183/KaliLinux.pptx
+++ b/m183/KaliLinux.pptx
@@ -205,7 +205,7 @@
           <a:p>
             <a:fld id="{0367059D-1042-A34C-A641-B247EF041193}" type="datetimeFigureOut">
               <a:rPr lang="de-DE" smtClean="0"/>
-              <a:t>27.03.19</a:t>
+              <a:t>02.04.19</a:t>
             </a:fld>
             <a:endParaRPr lang="de-DE"/>
           </a:p>
@@ -617,7 +617,7 @@
             <a:fld id="{87DE6118-2437-4B30-8E3C-4D2BE6020583}" type="datetimeFigureOut">
               <a:rPr lang="en-US" dirty="0"/>
               <a:pPr/>
-              <a:t>3/27/19</a:t>
+              <a:t>4/2/19</a:t>
             </a:fld>
             <a:endParaRPr lang="en-US" dirty="0"/>
           </a:p>
@@ -930,7 +930,7 @@
           <a:p>
             <a:fld id="{87DE6118-2437-4B30-8E3C-4D2BE6020583}" type="datetimeFigureOut">
               <a:rPr lang="en-US" dirty="0"/>
-              <a:t>3/27/19</a:t>
+              <a:t>4/2/19</a:t>
             </a:fld>
             <a:endParaRPr lang="en-US" dirty="0"/>
           </a:p>
@@ -1081,7 +1081,7 @@
           <a:p>
             <a:fld id="{87DE6118-2437-4B30-8E3C-4D2BE6020583}" type="datetimeFigureOut">
               <a:rPr lang="en-US" dirty="0"/>
-              <a:t>3/27/19</a:t>
+              <a:t>4/2/19</a:t>
             </a:fld>
             <a:endParaRPr lang="en-US" dirty="0"/>
           </a:p>
@@ -1247,7 +1247,7 @@
           <a:p>
             <a:fld id="{87DE6118-2437-4B30-8E3C-4D2BE6020583}" type="datetimeFigureOut">
               <a:rPr lang="en-US" dirty="0"/>
-              <a:t>3/27/19</a:t>
+              <a:t>4/2/19</a:t>
             </a:fld>
             <a:endParaRPr lang="en-US" dirty="0"/>
           </a:p>
@@ -1566,7 +1566,7 @@
             <a:fld id="{87DE6118-2437-4B30-8E3C-4D2BE6020583}" type="datetimeFigureOut">
               <a:rPr lang="en-US" dirty="0"/>
               <a:pPr/>
-              <a:t>3/27/19</a:t>
+              <a:t>4/2/19</a:t>
             </a:fld>
             <a:endParaRPr lang="en-US" dirty="0"/>
           </a:p>
@@ -1908,7 +1908,7 @@
           <a:p>
             <a:fld id="{87DE6118-2437-4B30-8E3C-4D2BE6020583}" type="datetimeFigureOut">
               <a:rPr lang="en-US" dirty="0"/>
-              <a:t>3/27/19</a:t>
+              <a:t>4/2/19</a:t>
             </a:fld>
             <a:endParaRPr lang="en-US" dirty="0"/>
           </a:p>
@@ -2342,7 +2342,7 @@
           <a:p>
             <a:fld id="{87DE6118-2437-4B30-8E3C-4D2BE6020583}" type="datetimeFigureOut">
               <a:rPr lang="en-US" dirty="0"/>
-              <a:t>3/27/19</a:t>
+              <a:t>4/2/19</a:t>
             </a:fld>
             <a:endParaRPr lang="en-US" dirty="0"/>
           </a:p>
@@ -2455,7 +2455,7 @@
           <a:p>
             <a:fld id="{87DE6118-2437-4B30-8E3C-4D2BE6020583}" type="datetimeFigureOut">
               <a:rPr lang="en-US" dirty="0"/>
-              <a:t>3/27/19</a:t>
+              <a:t>4/2/19</a:t>
             </a:fld>
             <a:endParaRPr lang="en-US" dirty="0"/>
           </a:p>
@@ -2545,7 +2545,7 @@
           <a:p>
             <a:fld id="{87DE6118-2437-4B30-8E3C-4D2BE6020583}" type="datetimeFigureOut">
               <a:rPr lang="en-US" dirty="0"/>
-              <a:t>3/27/19</a:t>
+              <a:t>4/2/19</a:t>
             </a:fld>
             <a:endParaRPr lang="en-US" dirty="0"/>
           </a:p>
@@ -2868,7 +2868,7 @@
             <a:fld id="{87DE6118-2437-4B30-8E3C-4D2BE6020583}" type="datetimeFigureOut">
               <a:rPr lang="en-US" dirty="0"/>
               <a:pPr/>
-              <a:t>3/27/19</a:t>
+              <a:t>4/2/19</a:t>
             </a:fld>
             <a:endParaRPr lang="en-US" dirty="0"/>
           </a:p>
@@ -3258,7 +3258,7 @@
             <a:fld id="{87DE6118-2437-4B30-8E3C-4D2BE6020583}" type="datetimeFigureOut">
               <a:rPr lang="en-US" dirty="0"/>
               <a:pPr/>
-              <a:t>3/27/19</a:t>
+              <a:t>4/2/19</a:t>
             </a:fld>
             <a:endParaRPr lang="en-US" dirty="0"/>
           </a:p>
@@ -3509,7 +3509,7 @@
             <a:fld id="{87DE6118-2437-4B30-8E3C-4D2BE6020583}" type="datetimeFigureOut">
               <a:rPr lang="en-US" dirty="0"/>
               <a:pPr/>
-              <a:t>3/27/19</a:t>
+              <a:t>4/2/19</a:t>
             </a:fld>
             <a:endParaRPr lang="en-US" dirty="0"/>
           </a:p>
@@ -4247,21 +4247,45 @@
           <a:p>
             <a:r>
               <a:rPr lang="de-DE" dirty="0"/>
-              <a:t>Kurzes </a:t>
+              <a:t>Was ist "Kali Linux"?</a:t>
+            </a:r>
+          </a:p>
+          <a:p>
+            <a:r>
+              <a:rPr lang="de-DE" dirty="0"/>
+              <a:t>Wie man's installiert</a:t>
+            </a:r>
+          </a:p>
+          <a:p>
+            <a:r>
+              <a:rPr lang="de-DE" dirty="0"/>
+              <a:t>Ein paar Fakten über Kali</a:t>
+            </a:r>
+          </a:p>
+          <a:p>
+            <a:r>
+              <a:rPr lang="de-DE" dirty="0"/>
+              <a:t>Demonstration ( </a:t>
             </a:r>
             <a:r>
               <a:rPr lang="de-DE" dirty="0" err="1"/>
-              <a:t>blabla</a:t>
+              <a:t>wpscan</a:t>
             </a:r>
             <a:r>
               <a:rPr lang="de-DE" dirty="0"/>
-              <a:t> über Kali</a:t>
-            </a:r>
-          </a:p>
-          <a:p>
+              <a:t> – </a:t>
+            </a:r>
             <a:r>
               <a:rPr lang="de-DE" dirty="0" err="1"/>
-              <a:t>How</a:t>
+              <a:t>nmap</a:t>
+            </a:r>
+            <a:r>
+              <a:rPr lang="de-DE" dirty="0"/>
+              <a:t> – </a:t>
+            </a:r>
+            <a:r>
+              <a:rPr lang="de-DE" dirty="0" err="1"/>
+              <a:t>john</a:t>
             </a:r>
             <a:r>
               <a:rPr lang="de-DE" dirty="0"/>
@@ -4269,7 +4293,7 @@
             </a:r>
             <a:r>
               <a:rPr lang="de-DE" dirty="0" err="1"/>
-              <a:t>to</a:t>
+              <a:t>the</a:t>
             </a:r>
             <a:r>
               <a:rPr lang="de-DE" dirty="0"/>
@@ -4277,26 +4301,11 @@
             </a:r>
             <a:r>
               <a:rPr lang="de-DE" dirty="0" err="1"/>
-              <a:t>install</a:t>
-            </a:r>
-            <a:endParaRPr lang="de-DE" dirty="0"/>
-          </a:p>
-          <a:p>
-            <a:r>
-              <a:rPr lang="de-DE" dirty="0" err="1"/>
-              <a:t>Grösseres</a:t>
+              <a:t>ripper</a:t>
             </a:r>
             <a:r>
               <a:rPr lang="de-DE" dirty="0"/>
-              <a:t> </a:t>
-            </a:r>
-            <a:r>
-              <a:rPr lang="de-DE" dirty="0" err="1"/>
-              <a:t>blabla</a:t>
-            </a:r>
-            <a:r>
-              <a:rPr lang="de-DE" dirty="0"/>
-              <a:t> über Kali</a:t>
+              <a:t> )</a:t>
             </a:r>
           </a:p>
           <a:p>

--- a/m183/KaliLinux.pptx
+++ b/m183/KaliLinux.pptx
@@ -205,7 +205,7 @@
           <a:p>
             <a:fld id="{0367059D-1042-A34C-A641-B247EF041193}" type="datetimeFigureOut">
               <a:rPr lang="de-DE" smtClean="0"/>
-              <a:t>02.04.19</a:t>
+              <a:t>03.04.19</a:t>
             </a:fld>
             <a:endParaRPr lang="de-DE"/>
           </a:p>
@@ -617,7 +617,7 @@
             <a:fld id="{87DE6118-2437-4B30-8E3C-4D2BE6020583}" type="datetimeFigureOut">
               <a:rPr lang="en-US" dirty="0"/>
               <a:pPr/>
-              <a:t>4/2/19</a:t>
+              <a:t>4/3/19</a:t>
             </a:fld>
             <a:endParaRPr lang="en-US" dirty="0"/>
           </a:p>
@@ -930,7 +930,7 @@
           <a:p>
             <a:fld id="{87DE6118-2437-4B30-8E3C-4D2BE6020583}" type="datetimeFigureOut">
               <a:rPr lang="en-US" dirty="0"/>
-              <a:t>4/2/19</a:t>
+              <a:t>4/3/19</a:t>
             </a:fld>
             <a:endParaRPr lang="en-US" dirty="0"/>
           </a:p>
@@ -1081,7 +1081,7 @@
           <a:p>
             <a:fld id="{87DE6118-2437-4B30-8E3C-4D2BE6020583}" type="datetimeFigureOut">
               <a:rPr lang="en-US" dirty="0"/>
-              <a:t>4/2/19</a:t>
+              <a:t>4/3/19</a:t>
             </a:fld>
             <a:endParaRPr lang="en-US" dirty="0"/>
           </a:p>
@@ -1247,7 +1247,7 @@
           <a:p>
             <a:fld id="{87DE6118-2437-4B30-8E3C-4D2BE6020583}" type="datetimeFigureOut">
               <a:rPr lang="en-US" dirty="0"/>
-              <a:t>4/2/19</a:t>
+              <a:t>4/3/19</a:t>
             </a:fld>
             <a:endParaRPr lang="en-US" dirty="0"/>
           </a:p>
@@ -1566,7 +1566,7 @@
             <a:fld id="{87DE6118-2437-4B30-8E3C-4D2BE6020583}" type="datetimeFigureOut">
               <a:rPr lang="en-US" dirty="0"/>
               <a:pPr/>
-              <a:t>4/2/19</a:t>
+              <a:t>4/3/19</a:t>
             </a:fld>
             <a:endParaRPr lang="en-US" dirty="0"/>
           </a:p>
@@ -1908,7 +1908,7 @@
           <a:p>
             <a:fld id="{87DE6118-2437-4B30-8E3C-4D2BE6020583}" type="datetimeFigureOut">
               <a:rPr lang="en-US" dirty="0"/>
-              <a:t>4/2/19</a:t>
+              <a:t>4/3/19</a:t>
             </a:fld>
             <a:endParaRPr lang="en-US" dirty="0"/>
           </a:p>
@@ -2342,7 +2342,7 @@
           <a:p>
             <a:fld id="{87DE6118-2437-4B30-8E3C-4D2BE6020583}" type="datetimeFigureOut">
               <a:rPr lang="en-US" dirty="0"/>
-              <a:t>4/2/19</a:t>
+              <a:t>4/3/19</a:t>
             </a:fld>
             <a:endParaRPr lang="en-US" dirty="0"/>
           </a:p>
@@ -2455,7 +2455,7 @@
           <a:p>
             <a:fld id="{87DE6118-2437-4B30-8E3C-4D2BE6020583}" type="datetimeFigureOut">
               <a:rPr lang="en-US" dirty="0"/>
-              <a:t>4/2/19</a:t>
+              <a:t>4/3/19</a:t>
             </a:fld>
             <a:endParaRPr lang="en-US" dirty="0"/>
           </a:p>
@@ -2545,7 +2545,7 @@
           <a:p>
             <a:fld id="{87DE6118-2437-4B30-8E3C-4D2BE6020583}" type="datetimeFigureOut">
               <a:rPr lang="en-US" dirty="0"/>
-              <a:t>4/2/19</a:t>
+              <a:t>4/3/19</a:t>
             </a:fld>
             <a:endParaRPr lang="en-US" dirty="0"/>
           </a:p>
@@ -2868,7 +2868,7 @@
             <a:fld id="{87DE6118-2437-4B30-8E3C-4D2BE6020583}" type="datetimeFigureOut">
               <a:rPr lang="en-US" dirty="0"/>
               <a:pPr/>
-              <a:t>4/2/19</a:t>
+              <a:t>4/3/19</a:t>
             </a:fld>
             <a:endParaRPr lang="en-US" dirty="0"/>
           </a:p>
@@ -3258,7 +3258,7 @@
             <a:fld id="{87DE6118-2437-4B30-8E3C-4D2BE6020583}" type="datetimeFigureOut">
               <a:rPr lang="en-US" dirty="0"/>
               <a:pPr/>
-              <a:t>4/2/19</a:t>
+              <a:t>4/3/19</a:t>
             </a:fld>
             <a:endParaRPr lang="en-US" dirty="0"/>
           </a:p>
@@ -3509,7 +3509,7 @@
             <a:fld id="{87DE6118-2437-4B30-8E3C-4D2BE6020583}" type="datetimeFigureOut">
               <a:rPr lang="en-US" dirty="0"/>
               <a:pPr/>
-              <a:t>4/2/19</a:t>
+              <a:t>4/3/19</a:t>
             </a:fld>
             <a:endParaRPr lang="en-US" dirty="0"/>
           </a:p>
@@ -4492,6 +4492,9 @@
   <p:clrMapOvr>
     <a:masterClrMapping/>
   </p:clrMapOvr>
+  <p:transition spd="slow">
+    <p:wipe/>
+  </p:transition>
 </p:sld>
 </file>
 
@@ -4658,6 +4661,9 @@
   <p:clrMapOvr>
     <a:masterClrMapping/>
   </p:clrMapOvr>
+  <p:transition spd="slow">
+    <p:wipe/>
+  </p:transition>
 </p:sld>
 </file>
 
@@ -4827,6 +4833,9 @@
   <p:clrMapOvr>
     <a:masterClrMapping/>
   </p:clrMapOvr>
+  <p:transition spd="slow">
+    <p:wipe/>
+  </p:transition>
 </p:sld>
 </file>
 
@@ -5331,6 +5340,9 @@
   <p:clrMapOvr>
     <a:masterClrMapping/>
   </p:clrMapOvr>
+  <p:transition spd="slow">
+    <p:wipe/>
+  </p:transition>
   <p:timing>
     <p:tnLst>
       <p:par>
